--- a/Oscar Daniel Rico Gamarra/oscar Daniel Rico Gamarra.pptx
+++ b/Oscar Daniel Rico Gamarra/oscar Daniel Rico Gamarra.pptx
@@ -5613,7 +5613,7 @@
               </a:spcAft>
               <a:buNone/>
             </a:pPr>
-            <a:endParaRPr/>
+            <a:endParaRPr dirty="0"/>
           </a:p>
         </p:txBody>
       </p:sp>
@@ -6588,13 +6588,53 @@
         <p:spPr>
           <a:xfrm>
             <a:off x="1728981" y="514350"/>
-            <a:ext cx="1217890" cy="1751917"/>
+            <a:ext cx="1217890" cy="1196643"/>
           </a:xfrm>
           <a:prstGeom prst="rect">
             <a:avLst/>
           </a:prstGeom>
         </p:spPr>
       </p:pic>
+      <p:sp>
+        <p:nvSpPr>
+          <p:cNvPr id="8" name="CuadroTexto 7">
+            <a:extLst>
+              <a:ext uri="{FF2B5EF4-FFF2-40B4-BE49-F238E27FC236}">
+                <a16:creationId xmlns:a16="http://schemas.microsoft.com/office/drawing/2014/main" id="{97B4DA44-9C81-4264-AA98-A7C3B06EC565}"/>
+              </a:ext>
+            </a:extLst>
+          </p:cNvPr>
+          <p:cNvSpPr txBox="1"/>
+          <p:nvPr/>
+        </p:nvSpPr>
+        <p:spPr>
+          <a:xfrm>
+            <a:off x="361360" y="1710993"/>
+            <a:ext cx="2690725" cy="523220"/>
+          </a:xfrm>
+          <a:prstGeom prst="rect">
+            <a:avLst/>
+          </a:prstGeom>
+          <a:noFill/>
+        </p:spPr>
+        <p:txBody>
+          <a:bodyPr wrap="square" rtlCol="0">
+            <a:spAutoFit/>
+          </a:bodyPr>
+          <a:lstStyle/>
+          <a:p>
+            <a:r>
+              <a:rPr lang="es-CO" dirty="0"/>
+              <a:t>Conocer lugares, animales, </a:t>
+            </a:r>
+            <a:r>
+              <a:rPr lang="es-CO" dirty="0" err="1"/>
+              <a:t>musica</a:t>
+            </a:r>
+            <a:endParaRPr lang="en-US" dirty="0"/>
+          </a:p>
+        </p:txBody>
+      </p:sp>
     </p:spTree>
   </p:cSld>
   <p:clrMapOvr>
